--- a/paper_presentation/jobs/graph.pptx
+++ b/paper_presentation/jobs/graph.pptx
@@ -106,6 +106,11 @@
       </a:defRPr>
     </a:lvl9pPr>
   </p:defaultTextStyle>
+  <p:extLst>
+    <p:ext uri="{EFAFB233-063F-42B5-8137-9DF3F51BA10A}">
+      <p15:sldGuideLst xmlns:p15="http://schemas.microsoft.com/office/powerpoint/2012/main"/>
+    </p:ext>
+  </p:extLst>
 </p:presentation>
 </file>
 
@@ -268,7 +273,7 @@
           <a:p>
             <a:fld id="{C4793837-72C2-4846-B876-CA09BC9E0830}" type="datetimeFigureOut">
               <a:rPr lang="en-US" smtClean="0"/>
-              <a:t>1/25/2022</a:t>
+              <a:t>1/26/2022</a:t>
             </a:fld>
             <a:endParaRPr lang="en-US"/>
           </a:p>
@@ -466,7 +471,7 @@
           <a:p>
             <a:fld id="{C4793837-72C2-4846-B876-CA09BC9E0830}" type="datetimeFigureOut">
               <a:rPr lang="en-US" smtClean="0"/>
-              <a:t>1/25/2022</a:t>
+              <a:t>1/26/2022</a:t>
             </a:fld>
             <a:endParaRPr lang="en-US"/>
           </a:p>
@@ -674,7 +679,7 @@
           <a:p>
             <a:fld id="{C4793837-72C2-4846-B876-CA09BC9E0830}" type="datetimeFigureOut">
               <a:rPr lang="en-US" smtClean="0"/>
-              <a:t>1/25/2022</a:t>
+              <a:t>1/26/2022</a:t>
             </a:fld>
             <a:endParaRPr lang="en-US"/>
           </a:p>
@@ -872,7 +877,7 @@
           <a:p>
             <a:fld id="{C4793837-72C2-4846-B876-CA09BC9E0830}" type="datetimeFigureOut">
               <a:rPr lang="en-US" smtClean="0"/>
-              <a:t>1/25/2022</a:t>
+              <a:t>1/26/2022</a:t>
             </a:fld>
             <a:endParaRPr lang="en-US"/>
           </a:p>
@@ -1147,7 +1152,7 @@
           <a:p>
             <a:fld id="{C4793837-72C2-4846-B876-CA09BC9E0830}" type="datetimeFigureOut">
               <a:rPr lang="en-US" smtClean="0"/>
-              <a:t>1/25/2022</a:t>
+              <a:t>1/26/2022</a:t>
             </a:fld>
             <a:endParaRPr lang="en-US"/>
           </a:p>
@@ -1412,7 +1417,7 @@
           <a:p>
             <a:fld id="{C4793837-72C2-4846-B876-CA09BC9E0830}" type="datetimeFigureOut">
               <a:rPr lang="en-US" smtClean="0"/>
-              <a:t>1/25/2022</a:t>
+              <a:t>1/26/2022</a:t>
             </a:fld>
             <a:endParaRPr lang="en-US"/>
           </a:p>
@@ -1824,7 +1829,7 @@
           <a:p>
             <a:fld id="{C4793837-72C2-4846-B876-CA09BC9E0830}" type="datetimeFigureOut">
               <a:rPr lang="en-US" smtClean="0"/>
-              <a:t>1/25/2022</a:t>
+              <a:t>1/26/2022</a:t>
             </a:fld>
             <a:endParaRPr lang="en-US"/>
           </a:p>
@@ -1965,7 +1970,7 @@
           <a:p>
             <a:fld id="{C4793837-72C2-4846-B876-CA09BC9E0830}" type="datetimeFigureOut">
               <a:rPr lang="en-US" smtClean="0"/>
-              <a:t>1/25/2022</a:t>
+              <a:t>1/26/2022</a:t>
             </a:fld>
             <a:endParaRPr lang="en-US"/>
           </a:p>
@@ -2078,7 +2083,7 @@
           <a:p>
             <a:fld id="{C4793837-72C2-4846-B876-CA09BC9E0830}" type="datetimeFigureOut">
               <a:rPr lang="en-US" smtClean="0"/>
-              <a:t>1/25/2022</a:t>
+              <a:t>1/26/2022</a:t>
             </a:fld>
             <a:endParaRPr lang="en-US"/>
           </a:p>
@@ -2389,7 +2394,7 @@
           <a:p>
             <a:fld id="{C4793837-72C2-4846-B876-CA09BC9E0830}" type="datetimeFigureOut">
               <a:rPr lang="en-US" smtClean="0"/>
-              <a:t>1/25/2022</a:t>
+              <a:t>1/26/2022</a:t>
             </a:fld>
             <a:endParaRPr lang="en-US"/>
           </a:p>
@@ -2677,7 +2682,7 @@
           <a:p>
             <a:fld id="{C4793837-72C2-4846-B876-CA09BC9E0830}" type="datetimeFigureOut">
               <a:rPr lang="en-US" smtClean="0"/>
-              <a:t>1/25/2022</a:t>
+              <a:t>1/26/2022</a:t>
             </a:fld>
             <a:endParaRPr lang="en-US"/>
           </a:p>
@@ -2918,7 +2923,7 @@
           <a:p>
             <a:fld id="{C4793837-72C2-4846-B876-CA09BC9E0830}" type="datetimeFigureOut">
               <a:rPr lang="en-US" smtClean="0"/>
-              <a:t>1/25/2022</a:t>
+              <a:t>1/26/2022</a:t>
             </a:fld>
             <a:endParaRPr lang="en-US"/>
           </a:p>

--- a/paper_presentation/jobs/graph.pptx
+++ b/paper_presentation/jobs/graph.pptx
@@ -3682,8 +3682,8 @@
         </p:nvSpPr>
         <p:spPr>
           <a:xfrm flipH="1">
-            <a:off x="5006393" y="1615376"/>
-            <a:ext cx="3017301" cy="707886"/>
+            <a:off x="5006393" y="1384476"/>
+            <a:ext cx="3017301" cy="1015663"/>
           </a:xfrm>
           <a:prstGeom prst="rect">
             <a:avLst/>
@@ -3708,7 +3708,33 @@
                 <a:latin typeface="Arial" panose="020B0604020202020204" pitchFamily="34" charset="0"/>
                 <a:cs typeface="Arial" panose="020B0604020202020204" pitchFamily="34" charset="0"/>
               </a:rPr>
-              <a:t>Collect system / transaction features</a:t>
+              <a:t>Collect system / transaction features, </a:t>
+            </a:r>
+            <a:r>
+              <a:rPr lang="en-US" altLang="zh-TW" sz="2000" b="1" dirty="0" err="1">
+                <a:solidFill>
+                  <a:schemeClr val="tx1">
+                    <a:lumMod val="75000"/>
+                    <a:lumOff val="25000"/>
+                  </a:schemeClr>
+                </a:solidFill>
+                <a:latin typeface="Arial" panose="020B0604020202020204" pitchFamily="34" charset="0"/>
+                <a:cs typeface="Arial" panose="020B0604020202020204" pitchFamily="34" charset="0"/>
+              </a:rPr>
+              <a:t>eg</a:t>
+            </a:r>
+            <a:r>
+              <a:rPr lang="en-US" altLang="zh-TW" sz="2000" b="1" dirty="0">
+                <a:solidFill>
+                  <a:schemeClr val="tx1">
+                    <a:lumMod val="75000"/>
+                    <a:lumOff val="25000"/>
+                  </a:schemeClr>
+                </a:solidFill>
+                <a:latin typeface="Arial" panose="020B0604020202020204" pitchFamily="34" charset="0"/>
+                <a:cs typeface="Arial" panose="020B0604020202020204" pitchFamily="34" charset="0"/>
+              </a:rPr>
+              <a:t>: locking status</a:t>
             </a:r>
             <a:endParaRPr lang="en-US" sz="2000" b="1" dirty="0">
               <a:solidFill>
@@ -4741,7 +4767,7 @@
         </p:blipFill>
         <p:spPr bwMode="auto">
           <a:xfrm>
-            <a:off x="4726709" y="1802538"/>
+            <a:off x="4514276" y="1802538"/>
             <a:ext cx="2777490" cy="1922023"/>
           </a:xfrm>
           <a:prstGeom prst="rect">
@@ -4882,7 +4908,7 @@
         </p:blipFill>
         <p:spPr bwMode="auto">
           <a:xfrm>
-            <a:off x="5099973" y="3248127"/>
+            <a:off x="4887540" y="3248127"/>
             <a:ext cx="2030961" cy="1777091"/>
           </a:xfrm>
           <a:prstGeom prst="rect">
@@ -5008,7 +5034,7 @@
         </p:nvSpPr>
         <p:spPr>
           <a:xfrm flipH="1">
-            <a:off x="4868992" y="313739"/>
+            <a:off x="4617942" y="313739"/>
             <a:ext cx="2492924" cy="892552"/>
           </a:xfrm>
           <a:prstGeom prst="rect">
@@ -5207,7 +5233,7 @@
         </p:nvCxnSpPr>
         <p:spPr>
           <a:xfrm flipV="1">
-            <a:off x="3238802" y="3624218"/>
+            <a:off x="3155676" y="3624218"/>
             <a:ext cx="1097280" cy="1"/>
           </a:xfrm>
           <a:prstGeom prst="straightConnector1">
@@ -5252,7 +5278,7 @@
         </p:nvSpPr>
         <p:spPr>
           <a:xfrm flipH="1">
-            <a:off x="2835395" y="3048072"/>
+            <a:off x="2752269" y="3048072"/>
             <a:ext cx="1872475" cy="400110"/>
           </a:xfrm>
           <a:prstGeom prst="rect">
@@ -5309,7 +5335,7 @@
         </p:nvCxnSpPr>
         <p:spPr>
           <a:xfrm flipH="1" flipV="1">
-            <a:off x="3202752" y="3966920"/>
+            <a:off x="3119626" y="3966920"/>
             <a:ext cx="1097280" cy="1"/>
           </a:xfrm>
           <a:prstGeom prst="straightConnector1">
@@ -5356,7 +5382,7 @@
         </p:nvCxnSpPr>
         <p:spPr>
           <a:xfrm rot="5400000" flipV="1">
-            <a:off x="5528357" y="5390980"/>
+            <a:off x="5315924" y="5390980"/>
             <a:ext cx="731520" cy="1"/>
           </a:xfrm>
           <a:prstGeom prst="straightConnector1">
@@ -5400,7 +5426,7 @@
         </p:nvSpPr>
         <p:spPr>
           <a:xfrm flipH="1">
-            <a:off x="4726720" y="5836375"/>
+            <a:off x="4514287" y="5836375"/>
             <a:ext cx="2777480" cy="707886"/>
           </a:xfrm>
           <a:prstGeom prst="rect">
@@ -5461,7 +5487,7 @@
         </p:nvCxnSpPr>
         <p:spPr>
           <a:xfrm rot="5400000" flipH="1" flipV="1">
-            <a:off x="5943252" y="5390977"/>
+            <a:off x="5730819" y="5390977"/>
             <a:ext cx="731520" cy="1"/>
           </a:xfrm>
           <a:prstGeom prst="straightConnector1">
@@ -5507,7 +5533,7 @@
         </p:nvCxnSpPr>
         <p:spPr>
           <a:xfrm flipV="1">
-            <a:off x="7605136" y="3624218"/>
+            <a:off x="7383465" y="3624218"/>
             <a:ext cx="1097280" cy="1"/>
           </a:xfrm>
           <a:prstGeom prst="straightConnector1">
@@ -5552,8 +5578,8 @@
         </p:nvSpPr>
         <p:spPr>
           <a:xfrm flipH="1">
-            <a:off x="7201729" y="3048072"/>
-            <a:ext cx="1872475" cy="400110"/>
+            <a:off x="6756811" y="2733208"/>
+            <a:ext cx="2311567" cy="707886"/>
           </a:xfrm>
           <a:prstGeom prst="rect">
             <a:avLst/>
@@ -5578,7 +5604,23 @@
                 <a:latin typeface="Arial" panose="020B0604020202020204" pitchFamily="34" charset="0"/>
                 <a:cs typeface="Arial" panose="020B0604020202020204" pitchFamily="34" charset="0"/>
               </a:rPr>
-              <a:t>Deploy</a:t>
+              <a:t>Deploy &amp;</a:t>
+            </a:r>
+          </a:p>
+          <a:p>
+            <a:pPr algn="ctr"/>
+            <a:r>
+              <a:rPr lang="en-US" sz="2000" b="1" dirty="0">
+                <a:solidFill>
+                  <a:schemeClr val="tx1">
+                    <a:lumMod val="75000"/>
+                    <a:lumOff val="25000"/>
+                  </a:schemeClr>
+                </a:solidFill>
+                <a:latin typeface="Arial" panose="020B0604020202020204" pitchFamily="34" charset="0"/>
+                <a:cs typeface="Arial" panose="020B0604020202020204" pitchFamily="34" charset="0"/>
+              </a:rPr>
+              <a:t>Load Balancing</a:t>
             </a:r>
           </a:p>
         </p:txBody>
@@ -5599,7 +5641,7 @@
         </p:nvCxnSpPr>
         <p:spPr>
           <a:xfrm flipH="1" flipV="1">
-            <a:off x="7569086" y="3966920"/>
+            <a:off x="7347415" y="3966920"/>
             <a:ext cx="1097280" cy="1"/>
           </a:xfrm>
           <a:prstGeom prst="straightConnector1">

--- a/paper_presentation/jobs/graph.pptx
+++ b/paper_presentation/jobs/graph.pptx
@@ -273,7 +273,7 @@
           <a:p>
             <a:fld id="{C4793837-72C2-4846-B876-CA09BC9E0830}" type="datetimeFigureOut">
               <a:rPr lang="en-US" smtClean="0"/>
-              <a:t>1/26/2022</a:t>
+              <a:t>1/27/2022</a:t>
             </a:fld>
             <a:endParaRPr lang="en-US"/>
           </a:p>
@@ -471,7 +471,7 @@
           <a:p>
             <a:fld id="{C4793837-72C2-4846-B876-CA09BC9E0830}" type="datetimeFigureOut">
               <a:rPr lang="en-US" smtClean="0"/>
-              <a:t>1/26/2022</a:t>
+              <a:t>1/27/2022</a:t>
             </a:fld>
             <a:endParaRPr lang="en-US"/>
           </a:p>
@@ -679,7 +679,7 @@
           <a:p>
             <a:fld id="{C4793837-72C2-4846-B876-CA09BC9E0830}" type="datetimeFigureOut">
               <a:rPr lang="en-US" smtClean="0"/>
-              <a:t>1/26/2022</a:t>
+              <a:t>1/27/2022</a:t>
             </a:fld>
             <a:endParaRPr lang="en-US"/>
           </a:p>
@@ -877,7 +877,7 @@
           <a:p>
             <a:fld id="{C4793837-72C2-4846-B876-CA09BC9E0830}" type="datetimeFigureOut">
               <a:rPr lang="en-US" smtClean="0"/>
-              <a:t>1/26/2022</a:t>
+              <a:t>1/27/2022</a:t>
             </a:fld>
             <a:endParaRPr lang="en-US"/>
           </a:p>
@@ -1152,7 +1152,7 @@
           <a:p>
             <a:fld id="{C4793837-72C2-4846-B876-CA09BC9E0830}" type="datetimeFigureOut">
               <a:rPr lang="en-US" smtClean="0"/>
-              <a:t>1/26/2022</a:t>
+              <a:t>1/27/2022</a:t>
             </a:fld>
             <a:endParaRPr lang="en-US"/>
           </a:p>
@@ -1417,7 +1417,7 @@
           <a:p>
             <a:fld id="{C4793837-72C2-4846-B876-CA09BC9E0830}" type="datetimeFigureOut">
               <a:rPr lang="en-US" smtClean="0"/>
-              <a:t>1/26/2022</a:t>
+              <a:t>1/27/2022</a:t>
             </a:fld>
             <a:endParaRPr lang="en-US"/>
           </a:p>
@@ -1829,7 +1829,7 @@
           <a:p>
             <a:fld id="{C4793837-72C2-4846-B876-CA09BC9E0830}" type="datetimeFigureOut">
               <a:rPr lang="en-US" smtClean="0"/>
-              <a:t>1/26/2022</a:t>
+              <a:t>1/27/2022</a:t>
             </a:fld>
             <a:endParaRPr lang="en-US"/>
           </a:p>
@@ -1970,7 +1970,7 @@
           <a:p>
             <a:fld id="{C4793837-72C2-4846-B876-CA09BC9E0830}" type="datetimeFigureOut">
               <a:rPr lang="en-US" smtClean="0"/>
-              <a:t>1/26/2022</a:t>
+              <a:t>1/27/2022</a:t>
             </a:fld>
             <a:endParaRPr lang="en-US"/>
           </a:p>
@@ -2083,7 +2083,7 @@
           <a:p>
             <a:fld id="{C4793837-72C2-4846-B876-CA09BC9E0830}" type="datetimeFigureOut">
               <a:rPr lang="en-US" smtClean="0"/>
-              <a:t>1/26/2022</a:t>
+              <a:t>1/27/2022</a:t>
             </a:fld>
             <a:endParaRPr lang="en-US"/>
           </a:p>
@@ -2394,7 +2394,7 @@
           <a:p>
             <a:fld id="{C4793837-72C2-4846-B876-CA09BC9E0830}" type="datetimeFigureOut">
               <a:rPr lang="en-US" smtClean="0"/>
-              <a:t>1/26/2022</a:t>
+              <a:t>1/27/2022</a:t>
             </a:fld>
             <a:endParaRPr lang="en-US"/>
           </a:p>
@@ -2682,7 +2682,7 @@
           <a:p>
             <a:fld id="{C4793837-72C2-4846-B876-CA09BC9E0830}" type="datetimeFigureOut">
               <a:rPr lang="en-US" smtClean="0"/>
-              <a:t>1/26/2022</a:t>
+              <a:t>1/27/2022</a:t>
             </a:fld>
             <a:endParaRPr lang="en-US"/>
           </a:p>
@@ -2923,7 +2923,7 @@
           <a:p>
             <a:fld id="{C4793837-72C2-4846-B876-CA09BC9E0830}" type="datetimeFigureOut">
               <a:rPr lang="en-US" smtClean="0"/>
-              <a:t>1/26/2022</a:t>
+              <a:t>1/27/2022</a:t>
             </a:fld>
             <a:endParaRPr lang="en-US"/>
           </a:p>
@@ -3682,8 +3682,8 @@
         </p:nvSpPr>
         <p:spPr>
           <a:xfrm flipH="1">
-            <a:off x="5006393" y="1384476"/>
-            <a:ext cx="3017301" cy="1015663"/>
+            <a:off x="4907327" y="1350713"/>
+            <a:ext cx="3292737" cy="1015663"/>
           </a:xfrm>
           <a:prstGeom prst="rect">
             <a:avLst/>
@@ -3734,7 +3734,7 @@
                 <a:latin typeface="Arial" panose="020B0604020202020204" pitchFamily="34" charset="0"/>
                 <a:cs typeface="Arial" panose="020B0604020202020204" pitchFamily="34" charset="0"/>
               </a:rPr>
-              <a:t>: locking status</a:t>
+              <a:t>: locking dependency</a:t>
             </a:r>
             <a:endParaRPr lang="en-US" sz="2000" b="1" dirty="0">
               <a:solidFill>
